--- a/MojeID.pptx
+++ b/MojeID.pptx
@@ -6401,6 +6401,10 @@
             <a:pPr marL="0" indent="0">
               <a:buNone/>
             </a:pPr>
+            <a:r>
+              <a:rPr lang="cs-CZ"/>
+              <a:t>sdadad</a:t>
+            </a:r>
             <a:endParaRPr lang="cs-CZ" dirty="0"/>
           </a:p>
         </p:txBody>

--- a/MojeID.pptx
+++ b/MojeID.pptx
@@ -6403,7 +6403,7 @@
             </a:pPr>
             <a:r>
               <a:rPr lang="cs-CZ"/>
-              <a:t>sdadad</a:t>
+              <a:t>sdadadasdasda</a:t>
             </a:r>
             <a:endParaRPr lang="cs-CZ" dirty="0"/>
           </a:p>

--- a/MojeID.pptx
+++ b/MojeID.pptx
@@ -5,12 +5,14 @@
     <p:sldMasterId id="2147483690" r:id="rId1"/>
   </p:sldMasterIdLst>
   <p:notesMasterIdLst>
-    <p:notesMasterId r:id="rId5"/>
+    <p:notesMasterId r:id="rId7"/>
   </p:notesMasterIdLst>
   <p:sldIdLst>
     <p:sldId id="256" r:id="rId2"/>
-    <p:sldId id="257" r:id="rId3"/>
-    <p:sldId id="258" r:id="rId4"/>
+    <p:sldId id="259" r:id="rId3"/>
+    <p:sldId id="260" r:id="rId4"/>
+    <p:sldId id="257" r:id="rId5"/>
+    <p:sldId id="258" r:id="rId6"/>
   </p:sldIdLst>
   <p:sldSz cx="12192000" cy="6858000"/>
   <p:notesSz cx="6858000" cy="9144000"/>
@@ -207,7 +209,7 @@
           <a:p>
             <a:fld id="{C369C84C-9D25-4BE6-9F6A-1DB1EEA73549}" type="datetimeFigureOut">
               <a:rPr lang="cs-CZ" smtClean="0"/>
-              <a:t>14.01.2023</a:t>
+              <a:t>15.01.2023</a:t>
             </a:fld>
             <a:endParaRPr lang="cs-CZ"/>
           </a:p>
@@ -729,7 +731,7 @@
             <a:fld id="{8F72BA41-EC5B-4197-BCC8-0FD2E523CD7A}" type="datetimeFigureOut">
               <a:rPr lang="en-US" smtClean="0"/>
               <a:pPr/>
-              <a:t>1/14/2023</a:t>
+              <a:t>1/15/2023</a:t>
             </a:fld>
             <a:endParaRPr lang="en-US" dirty="0"/>
           </a:p>
@@ -998,7 +1000,7 @@
             <a:fld id="{8F72BA41-EC5B-4197-BCC8-0FD2E523CD7A}" type="datetimeFigureOut">
               <a:rPr lang="en-US" smtClean="0"/>
               <a:pPr/>
-              <a:t>1/14/2023</a:t>
+              <a:t>1/15/2023</a:t>
             </a:fld>
             <a:endParaRPr lang="en-US" dirty="0"/>
           </a:p>
@@ -1231,7 +1233,7 @@
             <a:fld id="{8F72BA41-EC5B-4197-BCC8-0FD2E523CD7A}" type="datetimeFigureOut">
               <a:rPr lang="en-US" smtClean="0"/>
               <a:pPr/>
-              <a:t>1/14/2023</a:t>
+              <a:t>1/15/2023</a:t>
             </a:fld>
             <a:endParaRPr lang="en-US" dirty="0"/>
           </a:p>
@@ -1543,7 +1545,7 @@
             <a:fld id="{8F72BA41-EC5B-4197-BCC8-0FD2E523CD7A}" type="datetimeFigureOut">
               <a:rPr lang="en-US" smtClean="0"/>
               <a:pPr/>
-              <a:t>1/14/2023</a:t>
+              <a:t>1/15/2023</a:t>
             </a:fld>
             <a:endParaRPr lang="en-US" dirty="0"/>
           </a:p>
@@ -2018,7 +2020,7 @@
             <a:fld id="{8F72BA41-EC5B-4197-BCC8-0FD2E523CD7A}" type="datetimeFigureOut">
               <a:rPr lang="en-US" smtClean="0"/>
               <a:pPr/>
-              <a:t>1/14/2023</a:t>
+              <a:t>1/15/2023</a:t>
             </a:fld>
             <a:endParaRPr lang="en-US" dirty="0"/>
           </a:p>
@@ -2567,7 +2569,7 @@
             <a:fld id="{8F72BA41-EC5B-4197-BCC8-0FD2E523CD7A}" type="datetimeFigureOut">
               <a:rPr lang="en-US" smtClean="0"/>
               <a:pPr/>
-              <a:t>1/14/2023</a:t>
+              <a:t>1/15/2023</a:t>
             </a:fld>
             <a:endParaRPr lang="en-US" dirty="0"/>
           </a:p>
@@ -3343,7 +3345,7 @@
             <a:fld id="{8F72BA41-EC5B-4197-BCC8-0FD2E523CD7A}" type="datetimeFigureOut">
               <a:rPr lang="en-US" smtClean="0"/>
               <a:pPr/>
-              <a:t>1/14/2023</a:t>
+              <a:t>1/15/2023</a:t>
             </a:fld>
             <a:endParaRPr lang="en-US" dirty="0"/>
           </a:p>
@@ -3520,7 +3522,7 @@
             <a:fld id="{8F72BA41-EC5B-4197-BCC8-0FD2E523CD7A}" type="datetimeFigureOut">
               <a:rPr lang="en-US" smtClean="0"/>
               <a:pPr/>
-              <a:t>1/14/2023</a:t>
+              <a:t>1/15/2023</a:t>
             </a:fld>
             <a:endParaRPr lang="en-US" dirty="0"/>
           </a:p>
@@ -3745,7 +3747,7 @@
             <a:fld id="{8F72BA41-EC5B-4197-BCC8-0FD2E523CD7A}" type="datetimeFigureOut">
               <a:rPr lang="en-US" smtClean="0"/>
               <a:pPr/>
-              <a:t>1/14/2023</a:t>
+              <a:t>1/15/2023</a:t>
             </a:fld>
             <a:endParaRPr lang="en-US" dirty="0"/>
           </a:p>
@@ -3926,7 +3928,7 @@
           <a:p>
             <a:fld id="{8F72BA41-EC5B-4197-BCC8-0FD2E523CD7A}" type="datetimeFigureOut">
               <a:rPr lang="en-US" smtClean="0"/>
-              <a:t>1/14/2023</a:t>
+              <a:t>1/15/2023</a:t>
             </a:fld>
             <a:endParaRPr lang="en-US"/>
           </a:p>
@@ -4216,7 +4218,7 @@
             <a:fld id="{8F72BA41-EC5B-4197-BCC8-0FD2E523CD7A}" type="datetimeFigureOut">
               <a:rPr lang="en-US" smtClean="0"/>
               <a:pPr/>
-              <a:t>1/14/2023</a:t>
+              <a:t>1/15/2023</a:t>
             </a:fld>
             <a:endParaRPr lang="en-US" dirty="0"/>
           </a:p>
@@ -4460,7 +4462,7 @@
             <a:fld id="{8F72BA41-EC5B-4197-BCC8-0FD2E523CD7A}" type="datetimeFigureOut">
               <a:rPr lang="en-US" smtClean="0"/>
               <a:pPr/>
-              <a:t>1/14/2023</a:t>
+              <a:t>1/15/2023</a:t>
             </a:fld>
             <a:endParaRPr lang="en-US" dirty="0"/>
           </a:p>
@@ -4841,7 +4843,7 @@
             <a:fld id="{8F72BA41-EC5B-4197-BCC8-0FD2E523CD7A}" type="datetimeFigureOut">
               <a:rPr lang="en-US" smtClean="0"/>
               <a:pPr/>
-              <a:t>1/14/2023</a:t>
+              <a:t>1/15/2023</a:t>
             </a:fld>
             <a:endParaRPr lang="en-US" dirty="0"/>
           </a:p>
@@ -4961,7 +4963,7 @@
             <a:fld id="{8F72BA41-EC5B-4197-BCC8-0FD2E523CD7A}" type="datetimeFigureOut">
               <a:rPr lang="en-US" smtClean="0"/>
               <a:pPr/>
-              <a:t>1/14/2023</a:t>
+              <a:t>1/15/2023</a:t>
             </a:fld>
             <a:endParaRPr lang="en-US" dirty="0"/>
           </a:p>
@@ -5058,7 +5060,7 @@
             <a:fld id="{8F72BA41-EC5B-4197-BCC8-0FD2E523CD7A}" type="datetimeFigureOut">
               <a:rPr lang="en-US" smtClean="0"/>
               <a:pPr/>
-              <a:t>1/14/2023</a:t>
+              <a:t>1/15/2023</a:t>
             </a:fld>
             <a:endParaRPr lang="en-US" dirty="0"/>
           </a:p>
@@ -5309,7 +5311,7 @@
             <a:fld id="{8F72BA41-EC5B-4197-BCC8-0FD2E523CD7A}" type="datetimeFigureOut">
               <a:rPr lang="en-US" smtClean="0"/>
               <a:pPr/>
-              <a:t>1/14/2023</a:t>
+              <a:t>1/15/2023</a:t>
             </a:fld>
             <a:endParaRPr lang="en-US" dirty="0"/>
           </a:p>
@@ -5568,7 +5570,7 @@
             <a:fld id="{8F72BA41-EC5B-4197-BCC8-0FD2E523CD7A}" type="datetimeFigureOut">
               <a:rPr lang="en-US" smtClean="0"/>
               <a:pPr/>
-              <a:t>1/14/2023</a:t>
+              <a:t>1/15/2023</a:t>
             </a:fld>
             <a:endParaRPr lang="en-US" dirty="0"/>
           </a:p>
@@ -5813,7 +5815,7 @@
             <a:fld id="{8F72BA41-EC5B-4197-BCC8-0FD2E523CD7A}" type="datetimeFigureOut">
               <a:rPr lang="en-US" smtClean="0"/>
               <a:pPr/>
-              <a:t>1/14/2023</a:t>
+              <a:t>1/15/2023</a:t>
             </a:fld>
             <a:endParaRPr lang="en-US" dirty="0"/>
           </a:p>
@@ -6344,7 +6346,7 @@
           <p:cNvPr id="2" name="Nadpis 1">
             <a:extLst>
               <a:ext uri="{FF2B5EF4-FFF2-40B4-BE49-F238E27FC236}">
-                <a16:creationId xmlns:a16="http://schemas.microsoft.com/office/drawing/2014/main" id="{F8D139CD-4C1A-4C94-B195-7B514ADC8502}"/>
+                <a16:creationId xmlns:a16="http://schemas.microsoft.com/office/drawing/2014/main" id="{B32903C3-26B0-4BA3-871F-A3BE0A56B790}"/>
               </a:ext>
             </a:extLst>
           </p:cNvPr>
@@ -6357,8 +6359,8 @@
         </p:nvSpPr>
         <p:spPr>
           <a:xfrm>
-            <a:off x="2226644" y="186855"/>
-            <a:ext cx="3869356" cy="1293028"/>
+            <a:off x="5228947" y="683580"/>
+            <a:ext cx="4333042" cy="1311677"/>
           </a:xfrm>
         </p:spPr>
         <p:txBody>
@@ -6367,7 +6369,15 @@
           <a:p>
             <a:r>
               <a:rPr lang="cs-CZ" dirty="0"/>
-              <a:t>Citace</a:t>
+              <a:t>Co je </a:t>
+            </a:r>
+            <a:r>
+              <a:rPr lang="cs-CZ" dirty="0" err="1"/>
+              <a:t>mojeid</a:t>
+            </a:r>
+            <a:r>
+              <a:rPr lang="cs-CZ" dirty="0"/>
+              <a:t>?</a:t>
             </a:r>
           </a:p>
         </p:txBody>
@@ -6377,7 +6387,7 @@
           <p:cNvPr id="3" name="Zástupný obsah 2">
             <a:extLst>
               <a:ext uri="{FF2B5EF4-FFF2-40B4-BE49-F238E27FC236}">
-                <a16:creationId xmlns:a16="http://schemas.microsoft.com/office/drawing/2014/main" id="{B41FCB52-485D-4C7B-9EEF-07A2B55DBD74}"/>
+                <a16:creationId xmlns:a16="http://schemas.microsoft.com/office/drawing/2014/main" id="{727ED895-A626-4807-A64B-455BDF2BA9E2}"/>
               </a:ext>
             </a:extLst>
           </p:cNvPr>
@@ -6390,29 +6400,25 @@
         </p:nvSpPr>
         <p:spPr>
           <a:xfrm>
-            <a:off x="250257" y="1479884"/>
-            <a:ext cx="11482939" cy="5103796"/>
-          </a:xfrm>
-        </p:spPr>
-        <p:txBody>
-          <a:bodyPr/>
-          <a:lstStyle/>
-          <a:p>
-            <a:pPr marL="0" indent="0">
-              <a:buNone/>
-            </a:pPr>
-            <a:r>
-              <a:rPr lang="cs-CZ"/>
-              <a:t>sdadadasdasda</a:t>
-            </a:r>
-            <a:endParaRPr lang="cs-CZ" dirty="0"/>
+            <a:off x="275207" y="2139518"/>
+            <a:ext cx="11523215" cy="4474346"/>
+          </a:xfrm>
+        </p:spPr>
+        <p:txBody>
+          <a:bodyPr/>
+          <a:lstStyle/>
+          <a:p>
+            <a:r>
+              <a:rPr lang="cs-CZ" dirty="0"/>
+              <a:t>Služba poskytující autentizaci </a:t>
+            </a:r>
           </a:p>
         </p:txBody>
       </p:sp>
     </p:spTree>
     <p:extLst>
       <p:ext uri="{BB962C8B-B14F-4D97-AF65-F5344CB8AC3E}">
-        <p14:creationId xmlns:p14="http://schemas.microsoft.com/office/powerpoint/2010/main" val="3510580717"/>
+        <p14:creationId xmlns:p14="http://schemas.microsoft.com/office/powerpoint/2010/main" val="2897756314"/>
       </p:ext>
     </p:extLst>
   </p:cSld>
@@ -6444,6 +6450,216 @@
           <p:cNvPr id="2" name="Nadpis 1">
             <a:extLst>
               <a:ext uri="{FF2B5EF4-FFF2-40B4-BE49-F238E27FC236}">
+                <a16:creationId xmlns:a16="http://schemas.microsoft.com/office/drawing/2014/main" id="{DCE2E97C-AEA4-4D46-9252-E04298533E40}"/>
+              </a:ext>
+            </a:extLst>
+          </p:cNvPr>
+          <p:cNvSpPr>
+            <a:spLocks noGrp="1"/>
+          </p:cNvSpPr>
+          <p:nvPr>
+            <p:ph type="title"/>
+          </p:nvPr>
+        </p:nvSpPr>
+        <p:spPr>
+          <a:xfrm>
+            <a:off x="1244353" y="746618"/>
+            <a:ext cx="10500803" cy="1293028"/>
+          </a:xfrm>
+        </p:spPr>
+        <p:txBody>
+          <a:bodyPr/>
+          <a:lstStyle/>
+          <a:p>
+            <a:r>
+              <a:rPr lang="cs-CZ" dirty="0"/>
+              <a:t>Kde se s </a:t>
+            </a:r>
+            <a:r>
+              <a:rPr lang="cs-CZ" dirty="0" err="1"/>
+              <a:t>mojeiD</a:t>
+            </a:r>
+            <a:r>
+              <a:rPr lang="cs-CZ" dirty="0"/>
+              <a:t> můžeme přihlásit?</a:t>
+            </a:r>
+          </a:p>
+        </p:txBody>
+      </p:sp>
+      <p:sp>
+        <p:nvSpPr>
+          <p:cNvPr id="3" name="Zástupný obsah 2">
+            <a:extLst>
+              <a:ext uri="{FF2B5EF4-FFF2-40B4-BE49-F238E27FC236}">
+                <a16:creationId xmlns:a16="http://schemas.microsoft.com/office/drawing/2014/main" id="{7FE034DD-45B8-4E8B-8531-FD851F64EC57}"/>
+              </a:ext>
+            </a:extLst>
+          </p:cNvPr>
+          <p:cNvSpPr>
+            <a:spLocks noGrp="1"/>
+          </p:cNvSpPr>
+          <p:nvPr>
+            <p:ph idx="1"/>
+          </p:nvPr>
+        </p:nvSpPr>
+        <p:spPr/>
+        <p:txBody>
+          <a:bodyPr/>
+          <a:lstStyle/>
+          <a:p>
+            <a:endParaRPr lang="cs-CZ" dirty="0"/>
+          </a:p>
+        </p:txBody>
+      </p:sp>
+    </p:spTree>
+    <p:extLst>
+      <p:ext uri="{BB962C8B-B14F-4D97-AF65-F5344CB8AC3E}">
+        <p14:creationId xmlns:p14="http://schemas.microsoft.com/office/powerpoint/2010/main" val="31421569"/>
+      </p:ext>
+    </p:extLst>
+  </p:cSld>
+  <p:clrMapOvr>
+    <a:masterClrMapping/>
+  </p:clrMapOvr>
+</p:sld>
+</file>
+
+<file path=ppt/slides/slide4.xml><?xml version="1.0" encoding="utf-8"?>
+<p:sld xmlns:a="http://schemas.openxmlformats.org/drawingml/2006/main" xmlns:r="http://schemas.openxmlformats.org/officeDocument/2006/relationships" xmlns:p="http://schemas.openxmlformats.org/presentationml/2006/main">
+  <p:cSld>
+    <p:spTree>
+      <p:nvGrpSpPr>
+        <p:cNvPr id="1" name=""/>
+        <p:cNvGrpSpPr/>
+        <p:nvPr/>
+      </p:nvGrpSpPr>
+      <p:grpSpPr>
+        <a:xfrm>
+          <a:off x="0" y="0"/>
+          <a:ext cx="0" cy="0"/>
+          <a:chOff x="0" y="0"/>
+          <a:chExt cx="0" cy="0"/>
+        </a:xfrm>
+      </p:grpSpPr>
+      <p:sp>
+        <p:nvSpPr>
+          <p:cNvPr id="2" name="Nadpis 1">
+            <a:extLst>
+              <a:ext uri="{FF2B5EF4-FFF2-40B4-BE49-F238E27FC236}">
+                <a16:creationId xmlns:a16="http://schemas.microsoft.com/office/drawing/2014/main" id="{F8D139CD-4C1A-4C94-B195-7B514ADC8502}"/>
+              </a:ext>
+            </a:extLst>
+          </p:cNvPr>
+          <p:cNvSpPr>
+            <a:spLocks noGrp="1"/>
+          </p:cNvSpPr>
+          <p:nvPr>
+            <p:ph type="title"/>
+          </p:nvPr>
+        </p:nvSpPr>
+        <p:spPr>
+          <a:xfrm>
+            <a:off x="2226644" y="186855"/>
+            <a:ext cx="3869356" cy="1293028"/>
+          </a:xfrm>
+        </p:spPr>
+        <p:txBody>
+          <a:bodyPr/>
+          <a:lstStyle/>
+          <a:p>
+            <a:r>
+              <a:rPr lang="cs-CZ" dirty="0"/>
+              <a:t>Citace</a:t>
+            </a:r>
+          </a:p>
+        </p:txBody>
+      </p:sp>
+      <p:sp>
+        <p:nvSpPr>
+          <p:cNvPr id="3" name="Zástupný obsah 2">
+            <a:extLst>
+              <a:ext uri="{FF2B5EF4-FFF2-40B4-BE49-F238E27FC236}">
+                <a16:creationId xmlns:a16="http://schemas.microsoft.com/office/drawing/2014/main" id="{B41FCB52-485D-4C7B-9EEF-07A2B55DBD74}"/>
+              </a:ext>
+            </a:extLst>
+          </p:cNvPr>
+          <p:cNvSpPr>
+            <a:spLocks noGrp="1"/>
+          </p:cNvSpPr>
+          <p:nvPr>
+            <p:ph idx="1"/>
+          </p:nvPr>
+        </p:nvSpPr>
+        <p:spPr>
+          <a:xfrm>
+            <a:off x="250257" y="1479884"/>
+            <a:ext cx="11482939" cy="5103796"/>
+          </a:xfrm>
+        </p:spPr>
+        <p:txBody>
+          <a:bodyPr/>
+          <a:lstStyle/>
+          <a:p>
+            <a:r>
+              <a:rPr lang="pl-PL" i="1" dirty="0"/>
+              <a:t>MojeID</a:t>
+            </a:r>
+            <a:r>
+              <a:rPr lang="pl-PL" dirty="0"/>
+              <a:t> [online]. [cit. 2023-01-15]. </a:t>
+            </a:r>
+            <a:r>
+              <a:rPr lang="pl-PL"/>
+              <a:t>Dostupné z: </a:t>
+            </a:r>
+            <a:r>
+              <a:rPr lang="pl-PL">
+                <a:hlinkClick r:id="rId2"/>
+              </a:rPr>
+              <a:t>https://www.mojeid.cz/cs/kde-pouzit/</a:t>
+            </a:r>
+            <a:endParaRPr lang="pl-PL"/>
+          </a:p>
+          <a:p>
+            <a:endParaRPr lang="cs-CZ" dirty="0"/>
+          </a:p>
+        </p:txBody>
+      </p:sp>
+    </p:spTree>
+    <p:extLst>
+      <p:ext uri="{BB962C8B-B14F-4D97-AF65-F5344CB8AC3E}">
+        <p14:creationId xmlns:p14="http://schemas.microsoft.com/office/powerpoint/2010/main" val="3510580717"/>
+      </p:ext>
+    </p:extLst>
+  </p:cSld>
+  <p:clrMapOvr>
+    <a:masterClrMapping/>
+  </p:clrMapOvr>
+</p:sld>
+</file>
+
+<file path=ppt/slides/slide5.xml><?xml version="1.0" encoding="utf-8"?>
+<p:sld xmlns:a="http://schemas.openxmlformats.org/drawingml/2006/main" xmlns:r="http://schemas.openxmlformats.org/officeDocument/2006/relationships" xmlns:p="http://schemas.openxmlformats.org/presentationml/2006/main">
+  <p:cSld>
+    <p:spTree>
+      <p:nvGrpSpPr>
+        <p:cNvPr id="1" name=""/>
+        <p:cNvGrpSpPr/>
+        <p:nvPr/>
+      </p:nvGrpSpPr>
+      <p:grpSpPr>
+        <a:xfrm>
+          <a:off x="0" y="0"/>
+          <a:ext cx="0" cy="0"/>
+          <a:chOff x="0" y="0"/>
+          <a:chExt cx="0" cy="0"/>
+        </a:xfrm>
+      </p:grpSpPr>
+      <p:sp>
+        <p:nvSpPr>
+          <p:cNvPr id="2" name="Nadpis 1">
+            <a:extLst>
+              <a:ext uri="{FF2B5EF4-FFF2-40B4-BE49-F238E27FC236}">
                 <a16:creationId xmlns:a16="http://schemas.microsoft.com/office/drawing/2014/main" id="{76655732-9A86-4DC8-B4F8-981B45EE62F0}"/>
               </a:ext>
             </a:extLst>
@@ -6498,9 +6714,6 @@
           <a:bodyPr/>
           <a:lstStyle/>
           <a:p>
-            <a:pPr marL="0" indent="0">
-              <a:buNone/>
-            </a:pPr>
             <a:r>
               <a:rPr lang="cs-CZ" dirty="0"/>
               <a:t>https://blog.nic.cz/wp-content/uploads/2020/10/mojeID_logo_bez_gradientu_negativ_RGB.jpg</a:t>
